--- a/Model Compression 논문리뷰 스터디_내용추가버전2.pptx
+++ b/Model Compression 논문리뷰 스터디_내용추가버전2.pptx
@@ -12,8 +12,8 @@
     <p:sldId id="257" r:id="rId3"/>
     <p:sldId id="258" r:id="rId4"/>
     <p:sldId id="264" r:id="rId5"/>
-    <p:sldId id="259" r:id="rId6"/>
-    <p:sldId id="267" r:id="rId7"/>
+    <p:sldId id="267" r:id="rId6"/>
+    <p:sldId id="259" r:id="rId7"/>
     <p:sldId id="265" r:id="rId8"/>
     <p:sldId id="260" r:id="rId9"/>
     <p:sldId id="266" r:id="rId10"/>
@@ -1211,110 +1211,6 @@
   <p:cSld>
     <p:spTree>
       <p:nvGrpSpPr>
-        <p:cNvPr id="1" name="Shape 76"/>
-        <p:cNvGrpSpPr/>
-        <p:nvPr/>
-      </p:nvGrpSpPr>
-      <p:grpSpPr>
-        <a:xfrm>
-          <a:off x="0" y="0"/>
-          <a:ext cx="0" cy="0"/>
-          <a:chOff x="0" y="0"/>
-          <a:chExt cx="0" cy="0"/>
-        </a:xfrm>
-      </p:grpSpPr>
-      <p:sp>
-        <p:nvSpPr>
-          <p:cNvPr id="77" name="Google Shape;77;g118d7eca593_0_30:notes"/>
-          <p:cNvSpPr>
-            <a:spLocks noGrp="1" noRot="1" noChangeAspect="1"/>
-          </p:cNvSpPr>
-          <p:nvPr>
-            <p:ph type="sldImg" idx="2"/>
-          </p:nvPr>
-        </p:nvSpPr>
-        <p:spPr>
-          <a:xfrm>
-            <a:off x="381000" y="685800"/>
-            <a:ext cx="6096000" cy="3429000"/>
-          </a:xfrm>
-          <a:custGeom>
-            <a:avLst/>
-            <a:gdLst/>
-            <a:ahLst/>
-            <a:cxnLst/>
-            <a:rect l="l" t="t" r="r" b="b"/>
-            <a:pathLst>
-              <a:path w="120000" h="120000" extrusionOk="0">
-                <a:moveTo>
-                  <a:pt x="0" y="0"/>
-                </a:moveTo>
-                <a:lnTo>
-                  <a:pt x="120000" y="0"/>
-                </a:lnTo>
-                <a:lnTo>
-                  <a:pt x="120000" y="120000"/>
-                </a:lnTo>
-                <a:lnTo>
-                  <a:pt x="0" y="120000"/>
-                </a:lnTo>
-                <a:close/>
-              </a:path>
-            </a:pathLst>
-          </a:custGeom>
-        </p:spPr>
-      </p:sp>
-      <p:sp>
-        <p:nvSpPr>
-          <p:cNvPr id="78" name="Google Shape;78;g118d7eca593_0_30:notes"/>
-          <p:cNvSpPr txBox="1">
-            <a:spLocks noGrp="1"/>
-          </p:cNvSpPr>
-          <p:nvPr>
-            <p:ph type="body" idx="1"/>
-          </p:nvPr>
-        </p:nvSpPr>
-        <p:spPr>
-          <a:xfrm>
-            <a:off x="685800" y="4343400"/>
-            <a:ext cx="5486400" cy="4114800"/>
-          </a:xfrm>
-          <a:prstGeom prst="rect">
-            <a:avLst/>
-          </a:prstGeom>
-        </p:spPr>
-        <p:txBody>
-          <a:bodyPr spcFirstLastPara="1" wrap="square" lIns="91425" tIns="91425" rIns="91425" bIns="91425" anchor="t" anchorCtr="0">
-            <a:noAutofit/>
-          </a:bodyPr>
-          <a:lstStyle/>
-          <a:p>
-            <a:pPr marL="0" lvl="0" indent="0" algn="l" rtl="0">
-              <a:spcBef>
-                <a:spcPts val="0"/>
-              </a:spcBef>
-              <a:spcAft>
-                <a:spcPts val="0"/>
-              </a:spcAft>
-              <a:buNone/>
-            </a:pPr>
-            <a:endParaRPr/>
-          </a:p>
-        </p:txBody>
-      </p:sp>
-    </p:spTree>
-  </p:cSld>
-  <p:clrMapOvr>
-    <a:masterClrMapping/>
-  </p:clrMapOvr>
-</p:notes>
-</file>
-
-<file path=ppt/notesSlides/notesSlide6.xml><?xml version="1.0" encoding="utf-8"?>
-<p:notes xmlns:a="http://schemas.openxmlformats.org/drawingml/2006/main" xmlns:r="http://schemas.openxmlformats.org/officeDocument/2006/relationships" xmlns:p="http://schemas.openxmlformats.org/presentationml/2006/main" showMasterSp="0" showMasterPhAnim="0">
-  <p:cSld>
-    <p:spTree>
-      <p:nvGrpSpPr>
         <p:cNvPr id="1" name="Shape 76">
           <a:extLst>
             <a:ext uri="{FF2B5EF4-FFF2-40B4-BE49-F238E27FC236}">
@@ -1430,6 +1326,110 @@
         <p14:creationId xmlns:p14="http://schemas.microsoft.com/office/powerpoint/2010/main" val="1680211221"/>
       </p:ext>
     </p:extLst>
+  </p:cSld>
+  <p:clrMapOvr>
+    <a:masterClrMapping/>
+  </p:clrMapOvr>
+</p:notes>
+</file>
+
+<file path=ppt/notesSlides/notesSlide6.xml><?xml version="1.0" encoding="utf-8"?>
+<p:notes xmlns:a="http://schemas.openxmlformats.org/drawingml/2006/main" xmlns:r="http://schemas.openxmlformats.org/officeDocument/2006/relationships" xmlns:p="http://schemas.openxmlformats.org/presentationml/2006/main" showMasterSp="0" showMasterPhAnim="0">
+  <p:cSld>
+    <p:spTree>
+      <p:nvGrpSpPr>
+        <p:cNvPr id="1" name="Shape 76"/>
+        <p:cNvGrpSpPr/>
+        <p:nvPr/>
+      </p:nvGrpSpPr>
+      <p:grpSpPr>
+        <a:xfrm>
+          <a:off x="0" y="0"/>
+          <a:ext cx="0" cy="0"/>
+          <a:chOff x="0" y="0"/>
+          <a:chExt cx="0" cy="0"/>
+        </a:xfrm>
+      </p:grpSpPr>
+      <p:sp>
+        <p:nvSpPr>
+          <p:cNvPr id="77" name="Google Shape;77;g118d7eca593_0_30:notes"/>
+          <p:cNvSpPr>
+            <a:spLocks noGrp="1" noRot="1" noChangeAspect="1"/>
+          </p:cNvSpPr>
+          <p:nvPr>
+            <p:ph type="sldImg" idx="2"/>
+          </p:nvPr>
+        </p:nvSpPr>
+        <p:spPr>
+          <a:xfrm>
+            <a:off x="381000" y="685800"/>
+            <a:ext cx="6096000" cy="3429000"/>
+          </a:xfrm>
+          <a:custGeom>
+            <a:avLst/>
+            <a:gdLst/>
+            <a:ahLst/>
+            <a:cxnLst/>
+            <a:rect l="l" t="t" r="r" b="b"/>
+            <a:pathLst>
+              <a:path w="120000" h="120000" extrusionOk="0">
+                <a:moveTo>
+                  <a:pt x="0" y="0"/>
+                </a:moveTo>
+                <a:lnTo>
+                  <a:pt x="120000" y="0"/>
+                </a:lnTo>
+                <a:lnTo>
+                  <a:pt x="120000" y="120000"/>
+                </a:lnTo>
+                <a:lnTo>
+                  <a:pt x="0" y="120000"/>
+                </a:lnTo>
+                <a:close/>
+              </a:path>
+            </a:pathLst>
+          </a:custGeom>
+        </p:spPr>
+      </p:sp>
+      <p:sp>
+        <p:nvSpPr>
+          <p:cNvPr id="78" name="Google Shape;78;g118d7eca593_0_30:notes"/>
+          <p:cNvSpPr txBox="1">
+            <a:spLocks noGrp="1"/>
+          </p:cNvSpPr>
+          <p:nvPr>
+            <p:ph type="body" idx="1"/>
+          </p:nvPr>
+        </p:nvSpPr>
+        <p:spPr>
+          <a:xfrm>
+            <a:off x="685800" y="4343400"/>
+            <a:ext cx="5486400" cy="4114800"/>
+          </a:xfrm>
+          <a:prstGeom prst="rect">
+            <a:avLst/>
+          </a:prstGeom>
+        </p:spPr>
+        <p:txBody>
+          <a:bodyPr spcFirstLastPara="1" wrap="square" lIns="91425" tIns="91425" rIns="91425" bIns="91425" anchor="t" anchorCtr="0">
+            <a:noAutofit/>
+          </a:bodyPr>
+          <a:lstStyle/>
+          <a:p>
+            <a:pPr marL="0" lvl="0" indent="0" algn="l" rtl="0">
+              <a:spcBef>
+                <a:spcPts val="0"/>
+              </a:spcBef>
+              <a:spcAft>
+                <a:spcPts val="0"/>
+              </a:spcAft>
+              <a:buNone/>
+            </a:pPr>
+            <a:endParaRPr/>
+          </a:p>
+        </p:txBody>
+      </p:sp>
+    </p:spTree>
   </p:cSld>
   <p:clrMapOvr>
     <a:masterClrMapping/>
@@ -8012,265 +8012,6 @@
   <p:cSld>
     <p:spTree>
       <p:nvGrpSpPr>
-        <p:cNvPr id="1" name="Shape 79"/>
-        <p:cNvGrpSpPr/>
-        <p:nvPr/>
-      </p:nvGrpSpPr>
-      <p:grpSpPr>
-        <a:xfrm>
-          <a:off x="0" y="0"/>
-          <a:ext cx="0" cy="0"/>
-          <a:chOff x="0" y="0"/>
-          <a:chExt cx="0" cy="0"/>
-        </a:xfrm>
-      </p:grpSpPr>
-      <p:sp>
-        <p:nvSpPr>
-          <p:cNvPr id="80" name="Google Shape;80;p16"/>
-          <p:cNvSpPr/>
-          <p:nvPr/>
-        </p:nvSpPr>
-        <p:spPr>
-          <a:xfrm>
-            <a:off x="0" y="-37950"/>
-            <a:ext cx="1181100" cy="5219400"/>
-          </a:xfrm>
-          <a:prstGeom prst="rect">
-            <a:avLst/>
-          </a:prstGeom>
-          <a:solidFill>
-            <a:srgbClr val="19264B"/>
-          </a:solidFill>
-          <a:ln>
-            <a:noFill/>
-          </a:ln>
-        </p:spPr>
-        <p:txBody>
-          <a:bodyPr spcFirstLastPara="1" wrap="square" lIns="91425" tIns="91425" rIns="91425" bIns="91425" anchor="ctr" anchorCtr="0">
-            <a:noAutofit/>
-          </a:bodyPr>
-          <a:lstStyle/>
-          <a:p>
-            <a:pPr marL="0" lvl="0" indent="0" algn="l" rtl="0">
-              <a:spcBef>
-                <a:spcPts val="0"/>
-              </a:spcBef>
-              <a:spcAft>
-                <a:spcPts val="0"/>
-              </a:spcAft>
-              <a:buNone/>
-            </a:pPr>
-            <a:endParaRPr/>
-          </a:p>
-        </p:txBody>
-      </p:sp>
-      <p:cxnSp>
-        <p:nvCxnSpPr>
-          <p:cNvPr id="81" name="Google Shape;81;p16"/>
-          <p:cNvCxnSpPr/>
-          <p:nvPr/>
-        </p:nvCxnSpPr>
-        <p:spPr>
-          <a:xfrm>
-            <a:off x="172875" y="-37950"/>
-            <a:ext cx="0" cy="2187000"/>
-          </a:xfrm>
-          <a:prstGeom prst="straightConnector1">
-            <a:avLst/>
-          </a:prstGeom>
-          <a:noFill/>
-          <a:ln w="38100" cap="flat" cmpd="sng">
-            <a:solidFill>
-              <a:schemeClr val="lt1"/>
-            </a:solidFill>
-            <a:prstDash val="solid"/>
-            <a:round/>
-            <a:headEnd type="none" w="med" len="med"/>
-            <a:tailEnd type="none" w="med" len="med"/>
-          </a:ln>
-        </p:spPr>
-      </p:cxnSp>
-      <p:pic>
-        <p:nvPicPr>
-          <p:cNvPr id="82" name="Google Shape;82;p16"/>
-          <p:cNvPicPr preferRelativeResize="0"/>
-          <p:nvPr/>
-        </p:nvPicPr>
-        <p:blipFill>
-          <a:blip r:embed="rId3">
-            <a:alphaModFix/>
-          </a:blip>
-          <a:stretch>
-            <a:fillRect/>
-          </a:stretch>
-        </p:blipFill>
-        <p:spPr>
-          <a:xfrm rot="5400000">
-            <a:off x="-928700" y="3071650"/>
-            <a:ext cx="3038475" cy="1181100"/>
-          </a:xfrm>
-          <a:prstGeom prst="rect">
-            <a:avLst/>
-          </a:prstGeom>
-          <a:noFill/>
-          <a:ln>
-            <a:noFill/>
-          </a:ln>
-        </p:spPr>
-      </p:pic>
-      <p:sp>
-        <p:nvSpPr>
-          <p:cNvPr id="83" name="Google Shape;83;p16"/>
-          <p:cNvSpPr txBox="1"/>
-          <p:nvPr/>
-        </p:nvSpPr>
-        <p:spPr>
-          <a:xfrm>
-            <a:off x="1408975" y="306875"/>
-            <a:ext cx="4979400" cy="569356"/>
-          </a:xfrm>
-          <a:prstGeom prst="rect">
-            <a:avLst/>
-          </a:prstGeom>
-          <a:noFill/>
-          <a:ln>
-            <a:noFill/>
-          </a:ln>
-        </p:spPr>
-        <p:txBody>
-          <a:bodyPr spcFirstLastPara="1" wrap="square" lIns="91425" tIns="91425" rIns="91425" bIns="91425" anchor="t" anchorCtr="0">
-            <a:spAutoFit/>
-          </a:bodyPr>
-          <a:lstStyle/>
-          <a:p>
-            <a:pPr algn="l">
-              <a:lnSpc>
-                <a:spcPts val="2099"/>
-              </a:lnSpc>
-              <a:spcAft>
-                <a:spcPts val="900"/>
-              </a:spcAft>
-            </a:pPr>
-            <a:r>
-              <a:rPr lang="en-US" altLang="ko-KR" sz="1600" b="1" i="0" dirty="0">
-                <a:solidFill>
-                  <a:srgbClr val="000000"/>
-                </a:solidFill>
-                <a:effectLst/>
-                <a:latin typeface="Lucida Grande"/>
-              </a:rPr>
-              <a:t>Distilling the Knowledge in a Neural Network</a:t>
-            </a:r>
-          </a:p>
-        </p:txBody>
-      </p:sp>
-      <p:sp>
-        <p:nvSpPr>
-          <p:cNvPr id="2" name="TextBox 1">
-            <a:extLst>
-              <a:ext uri="{FF2B5EF4-FFF2-40B4-BE49-F238E27FC236}">
-                <a16:creationId xmlns:a16="http://schemas.microsoft.com/office/drawing/2014/main" id="{B37FC4DE-1466-B828-2B0C-EB2786E9D825}"/>
-              </a:ext>
-            </a:extLst>
-          </p:cNvPr>
-          <p:cNvSpPr txBox="1"/>
-          <p:nvPr/>
-        </p:nvSpPr>
-        <p:spPr>
-          <a:xfrm>
-            <a:off x="1842319" y="4143202"/>
-            <a:ext cx="6714876" cy="738664"/>
-          </a:xfrm>
-          <a:prstGeom prst="rect">
-            <a:avLst/>
-          </a:prstGeom>
-          <a:noFill/>
-        </p:spPr>
-        <p:txBody>
-          <a:bodyPr wrap="square">
-            <a:spAutoFit/>
-          </a:bodyPr>
-          <a:lstStyle/>
-          <a:p>
-            <a:pPr algn="ctr"/>
-            <a:r>
-              <a:rPr lang="ko-KR" altLang="en-US" b="1" dirty="0"/>
-              <a:t>기존 학습에서 정답 레이블이 아닌 것들은 </a:t>
-            </a:r>
-            <a:r>
-              <a:rPr lang="en-US" altLang="ko-KR" b="1" dirty="0"/>
-              <a:t>classification loss</a:t>
-            </a:r>
-            <a:r>
-              <a:rPr lang="ko-KR" altLang="en-US" b="1" dirty="0"/>
-              <a:t>에 의해 제약을 받지 않기 때문에 지식 증류를 통해 </a:t>
-            </a:r>
-            <a:r>
-              <a:rPr lang="ko-KR" altLang="en-US" b="1" dirty="0" err="1"/>
-              <a:t>비정답</a:t>
-            </a:r>
-            <a:r>
-              <a:rPr lang="ko-KR" altLang="en-US" b="1" dirty="0"/>
-              <a:t> 레이블에 손실을 준다</a:t>
-            </a:r>
-            <a:endParaRPr lang="en-US" altLang="ko-KR" b="1" dirty="0"/>
-          </a:p>
-          <a:p>
-            <a:pPr algn="ctr"/>
-            <a:r>
-              <a:rPr lang="en-US" altLang="ko-KR" b="1" dirty="0"/>
-              <a:t>-&gt; </a:t>
-            </a:r>
-            <a:r>
-              <a:rPr lang="ko-KR" altLang="en-US" b="1" dirty="0"/>
-              <a:t>이를 통해 성능 향상</a:t>
-            </a:r>
-          </a:p>
-        </p:txBody>
-      </p:sp>
-      <p:pic>
-        <p:nvPicPr>
-          <p:cNvPr id="7" name="그림 6">
-            <a:extLst>
-              <a:ext uri="{FF2B5EF4-FFF2-40B4-BE49-F238E27FC236}">
-                <a16:creationId xmlns:a16="http://schemas.microsoft.com/office/drawing/2014/main" id="{30E614AE-C866-EBBD-C167-CE06D704F4FD}"/>
-              </a:ext>
-            </a:extLst>
-          </p:cNvPr>
-          <p:cNvPicPr>
-            <a:picLocks noChangeAspect="1"/>
-          </p:cNvPicPr>
-          <p:nvPr/>
-        </p:nvPicPr>
-        <p:blipFill>
-          <a:blip r:embed="rId4"/>
-          <a:stretch>
-            <a:fillRect/>
-          </a:stretch>
-        </p:blipFill>
-        <p:spPr>
-          <a:xfrm>
-            <a:off x="2127420" y="987341"/>
-            <a:ext cx="6144674" cy="2967994"/>
-          </a:xfrm>
-          <a:prstGeom prst="rect">
-            <a:avLst/>
-          </a:prstGeom>
-        </p:spPr>
-      </p:pic>
-    </p:spTree>
-  </p:cSld>
-  <p:clrMapOvr>
-    <a:masterClrMapping/>
-  </p:clrMapOvr>
-</p:sld>
-</file>
-
-<file path=ppt/slides/slide6.xml><?xml version="1.0" encoding="utf-8"?>
-<p:sld xmlns:a="http://schemas.openxmlformats.org/drawingml/2006/main" xmlns:r="http://schemas.openxmlformats.org/officeDocument/2006/relationships" xmlns:p="http://schemas.openxmlformats.org/presentationml/2006/main">
-  <p:cSld>
-    <p:spTree>
-      <p:nvGrpSpPr>
         <p:cNvPr id="1" name="Shape 79">
           <a:extLst>
             <a:ext uri="{FF2B5EF4-FFF2-40B4-BE49-F238E27FC236}">
@@ -9029,8 +8770,8 @@
           </a:p>
         </p:txBody>
       </p:sp>
-      <mc:AlternateContent xmlns:mc="http://schemas.openxmlformats.org/markup-compatibility/2006">
-        <mc:Choice xmlns:p14="http://schemas.microsoft.com/office/powerpoint/2010/main" Requires="p14">
+      <mc:AlternateContent xmlns:mc="http://schemas.openxmlformats.org/markup-compatibility/2006" xmlns:p14="http://schemas.microsoft.com/office/powerpoint/2010/main">
+        <mc:Choice Requires="p14">
           <p:contentPart p14:bwMode="auto" r:id="rId6">
             <p14:nvContentPartPr>
               <p14:cNvPr id="22" name="잉크 21">
@@ -9049,7 +8790,7 @@
             </p14:xfrm>
           </p:contentPart>
         </mc:Choice>
-        <mc:Fallback>
+        <mc:Fallback xmlns="">
           <p:pic>
             <p:nvPicPr>
               <p:cNvPr id="22" name="잉크 21">
@@ -9080,8 +8821,8 @@
           </p:pic>
         </mc:Fallback>
       </mc:AlternateContent>
-      <mc:AlternateContent xmlns:mc="http://schemas.openxmlformats.org/markup-compatibility/2006">
-        <mc:Choice xmlns:p14="http://schemas.microsoft.com/office/powerpoint/2010/main" Requires="p14">
+      <mc:AlternateContent xmlns:mc="http://schemas.openxmlformats.org/markup-compatibility/2006" xmlns:p14="http://schemas.microsoft.com/office/powerpoint/2010/main">
+        <mc:Choice Requires="p14">
           <p:contentPart p14:bwMode="auto" r:id="rId8">
             <p14:nvContentPartPr>
               <p14:cNvPr id="23" name="잉크 22">
@@ -9100,7 +8841,7 @@
             </p14:xfrm>
           </p:contentPart>
         </mc:Choice>
-        <mc:Fallback>
+        <mc:Fallback xmlns="">
           <p:pic>
             <p:nvPicPr>
               <p:cNvPr id="23" name="잉크 22">
@@ -9458,6 +9199,265 @@
         <p14:creationId xmlns:p14="http://schemas.microsoft.com/office/powerpoint/2010/main" val="1598843018"/>
       </p:ext>
     </p:extLst>
+  </p:cSld>
+  <p:clrMapOvr>
+    <a:masterClrMapping/>
+  </p:clrMapOvr>
+</p:sld>
+</file>
+
+<file path=ppt/slides/slide6.xml><?xml version="1.0" encoding="utf-8"?>
+<p:sld xmlns:a="http://schemas.openxmlformats.org/drawingml/2006/main" xmlns:r="http://schemas.openxmlformats.org/officeDocument/2006/relationships" xmlns:p="http://schemas.openxmlformats.org/presentationml/2006/main">
+  <p:cSld>
+    <p:spTree>
+      <p:nvGrpSpPr>
+        <p:cNvPr id="1" name="Shape 79"/>
+        <p:cNvGrpSpPr/>
+        <p:nvPr/>
+      </p:nvGrpSpPr>
+      <p:grpSpPr>
+        <a:xfrm>
+          <a:off x="0" y="0"/>
+          <a:ext cx="0" cy="0"/>
+          <a:chOff x="0" y="0"/>
+          <a:chExt cx="0" cy="0"/>
+        </a:xfrm>
+      </p:grpSpPr>
+      <p:sp>
+        <p:nvSpPr>
+          <p:cNvPr id="80" name="Google Shape;80;p16"/>
+          <p:cNvSpPr/>
+          <p:nvPr/>
+        </p:nvSpPr>
+        <p:spPr>
+          <a:xfrm>
+            <a:off x="0" y="-37950"/>
+            <a:ext cx="1181100" cy="5219400"/>
+          </a:xfrm>
+          <a:prstGeom prst="rect">
+            <a:avLst/>
+          </a:prstGeom>
+          <a:solidFill>
+            <a:srgbClr val="19264B"/>
+          </a:solidFill>
+          <a:ln>
+            <a:noFill/>
+          </a:ln>
+        </p:spPr>
+        <p:txBody>
+          <a:bodyPr spcFirstLastPara="1" wrap="square" lIns="91425" tIns="91425" rIns="91425" bIns="91425" anchor="ctr" anchorCtr="0">
+            <a:noAutofit/>
+          </a:bodyPr>
+          <a:lstStyle/>
+          <a:p>
+            <a:pPr marL="0" lvl="0" indent="0" algn="l" rtl="0">
+              <a:spcBef>
+                <a:spcPts val="0"/>
+              </a:spcBef>
+              <a:spcAft>
+                <a:spcPts val="0"/>
+              </a:spcAft>
+              <a:buNone/>
+            </a:pPr>
+            <a:endParaRPr/>
+          </a:p>
+        </p:txBody>
+      </p:sp>
+      <p:cxnSp>
+        <p:nvCxnSpPr>
+          <p:cNvPr id="81" name="Google Shape;81;p16"/>
+          <p:cNvCxnSpPr/>
+          <p:nvPr/>
+        </p:nvCxnSpPr>
+        <p:spPr>
+          <a:xfrm>
+            <a:off x="172875" y="-37950"/>
+            <a:ext cx="0" cy="2187000"/>
+          </a:xfrm>
+          <a:prstGeom prst="straightConnector1">
+            <a:avLst/>
+          </a:prstGeom>
+          <a:noFill/>
+          <a:ln w="38100" cap="flat" cmpd="sng">
+            <a:solidFill>
+              <a:schemeClr val="lt1"/>
+            </a:solidFill>
+            <a:prstDash val="solid"/>
+            <a:round/>
+            <a:headEnd type="none" w="med" len="med"/>
+            <a:tailEnd type="none" w="med" len="med"/>
+          </a:ln>
+        </p:spPr>
+      </p:cxnSp>
+      <p:pic>
+        <p:nvPicPr>
+          <p:cNvPr id="82" name="Google Shape;82;p16"/>
+          <p:cNvPicPr preferRelativeResize="0"/>
+          <p:nvPr/>
+        </p:nvPicPr>
+        <p:blipFill>
+          <a:blip r:embed="rId3">
+            <a:alphaModFix/>
+          </a:blip>
+          <a:stretch>
+            <a:fillRect/>
+          </a:stretch>
+        </p:blipFill>
+        <p:spPr>
+          <a:xfrm rot="5400000">
+            <a:off x="-928700" y="3071650"/>
+            <a:ext cx="3038475" cy="1181100"/>
+          </a:xfrm>
+          <a:prstGeom prst="rect">
+            <a:avLst/>
+          </a:prstGeom>
+          <a:noFill/>
+          <a:ln>
+            <a:noFill/>
+          </a:ln>
+        </p:spPr>
+      </p:pic>
+      <p:sp>
+        <p:nvSpPr>
+          <p:cNvPr id="83" name="Google Shape;83;p16"/>
+          <p:cNvSpPr txBox="1"/>
+          <p:nvPr/>
+        </p:nvSpPr>
+        <p:spPr>
+          <a:xfrm>
+            <a:off x="1408975" y="306875"/>
+            <a:ext cx="4979400" cy="569356"/>
+          </a:xfrm>
+          <a:prstGeom prst="rect">
+            <a:avLst/>
+          </a:prstGeom>
+          <a:noFill/>
+          <a:ln>
+            <a:noFill/>
+          </a:ln>
+        </p:spPr>
+        <p:txBody>
+          <a:bodyPr spcFirstLastPara="1" wrap="square" lIns="91425" tIns="91425" rIns="91425" bIns="91425" anchor="t" anchorCtr="0">
+            <a:spAutoFit/>
+          </a:bodyPr>
+          <a:lstStyle/>
+          <a:p>
+            <a:pPr algn="l">
+              <a:lnSpc>
+                <a:spcPts val="2099"/>
+              </a:lnSpc>
+              <a:spcAft>
+                <a:spcPts val="900"/>
+              </a:spcAft>
+            </a:pPr>
+            <a:r>
+              <a:rPr lang="en-US" altLang="ko-KR" sz="1600" b="1" i="0" dirty="0">
+                <a:solidFill>
+                  <a:srgbClr val="000000"/>
+                </a:solidFill>
+                <a:effectLst/>
+                <a:latin typeface="Lucida Grande"/>
+              </a:rPr>
+              <a:t>Distilling the Knowledge in a Neural Network</a:t>
+            </a:r>
+          </a:p>
+        </p:txBody>
+      </p:sp>
+      <p:sp>
+        <p:nvSpPr>
+          <p:cNvPr id="2" name="TextBox 1">
+            <a:extLst>
+              <a:ext uri="{FF2B5EF4-FFF2-40B4-BE49-F238E27FC236}">
+                <a16:creationId xmlns:a16="http://schemas.microsoft.com/office/drawing/2014/main" id="{B37FC4DE-1466-B828-2B0C-EB2786E9D825}"/>
+              </a:ext>
+            </a:extLst>
+          </p:cNvPr>
+          <p:cNvSpPr txBox="1"/>
+          <p:nvPr/>
+        </p:nvSpPr>
+        <p:spPr>
+          <a:xfrm>
+            <a:off x="1842319" y="4143202"/>
+            <a:ext cx="6714876" cy="738664"/>
+          </a:xfrm>
+          <a:prstGeom prst="rect">
+            <a:avLst/>
+          </a:prstGeom>
+          <a:noFill/>
+        </p:spPr>
+        <p:txBody>
+          <a:bodyPr wrap="square">
+            <a:spAutoFit/>
+          </a:bodyPr>
+          <a:lstStyle/>
+          <a:p>
+            <a:pPr algn="ctr"/>
+            <a:r>
+              <a:rPr lang="ko-KR" altLang="en-US" b="1" dirty="0"/>
+              <a:t>기존 학습에서 정답 레이블이 아닌 것들은 </a:t>
+            </a:r>
+            <a:r>
+              <a:rPr lang="en-US" altLang="ko-KR" b="1" dirty="0"/>
+              <a:t>classification loss</a:t>
+            </a:r>
+            <a:r>
+              <a:rPr lang="ko-KR" altLang="en-US" b="1" dirty="0"/>
+              <a:t>에 의해 제약을 받지 않기 때문에 지식 증류를 통해 </a:t>
+            </a:r>
+            <a:r>
+              <a:rPr lang="ko-KR" altLang="en-US" b="1" dirty="0" err="1"/>
+              <a:t>비정답</a:t>
+            </a:r>
+            <a:r>
+              <a:rPr lang="ko-KR" altLang="en-US" b="1" dirty="0"/>
+              <a:t> 레이블에 손실을 준다</a:t>
+            </a:r>
+            <a:endParaRPr lang="en-US" altLang="ko-KR" b="1" dirty="0"/>
+          </a:p>
+          <a:p>
+            <a:pPr algn="ctr"/>
+            <a:r>
+              <a:rPr lang="en-US" altLang="ko-KR" b="1" dirty="0"/>
+              <a:t>-&gt; </a:t>
+            </a:r>
+            <a:r>
+              <a:rPr lang="ko-KR" altLang="en-US" b="1" dirty="0"/>
+              <a:t>이를 통해 성능 향상</a:t>
+            </a:r>
+          </a:p>
+        </p:txBody>
+      </p:sp>
+      <p:pic>
+        <p:nvPicPr>
+          <p:cNvPr id="7" name="그림 6">
+            <a:extLst>
+              <a:ext uri="{FF2B5EF4-FFF2-40B4-BE49-F238E27FC236}">
+                <a16:creationId xmlns:a16="http://schemas.microsoft.com/office/drawing/2014/main" id="{30E614AE-C866-EBBD-C167-CE06D704F4FD}"/>
+              </a:ext>
+            </a:extLst>
+          </p:cNvPr>
+          <p:cNvPicPr>
+            <a:picLocks noChangeAspect="1"/>
+          </p:cNvPicPr>
+          <p:nvPr/>
+        </p:nvPicPr>
+        <p:blipFill>
+          <a:blip r:embed="rId4"/>
+          <a:stretch>
+            <a:fillRect/>
+          </a:stretch>
+        </p:blipFill>
+        <p:spPr>
+          <a:xfrm>
+            <a:off x="2127420" y="987341"/>
+            <a:ext cx="6144674" cy="2967994"/>
+          </a:xfrm>
+          <a:prstGeom prst="rect">
+            <a:avLst/>
+          </a:prstGeom>
+        </p:spPr>
+      </p:pic>
+    </p:spTree>
   </p:cSld>
   <p:clrMapOvr>
     <a:masterClrMapping/>
